--- a/Activity 02/Activity 02.pptx
+++ b/Activity 02/Activity 02.pptx
@@ -269,7 +269,7 @@
           <a:p>
             <a:fld id="{3B33AD69-65F8-406A-B588-7599BD38C4D8}" type="datetimeFigureOut">
               <a:rPr lang="en-US" smtClean="0"/>
-              <a:t>14-Jan-25</a:t>
+              <a:t>19-Jan-25</a:t>
             </a:fld>
             <a:endParaRPr lang="en-US"/>
           </a:p>
@@ -467,7 +467,7 @@
           <a:p>
             <a:fld id="{3B33AD69-65F8-406A-B588-7599BD38C4D8}" type="datetimeFigureOut">
               <a:rPr lang="en-US" smtClean="0"/>
-              <a:t>14-Jan-25</a:t>
+              <a:t>19-Jan-25</a:t>
             </a:fld>
             <a:endParaRPr lang="en-US"/>
           </a:p>
@@ -675,7 +675,7 @@
           <a:p>
             <a:fld id="{3B33AD69-65F8-406A-B588-7599BD38C4D8}" type="datetimeFigureOut">
               <a:rPr lang="en-US" smtClean="0"/>
-              <a:t>14-Jan-25</a:t>
+              <a:t>19-Jan-25</a:t>
             </a:fld>
             <a:endParaRPr lang="en-US"/>
           </a:p>
@@ -885,7 +885,7 @@
           <a:p>
             <a:fld id="{3B33AD69-65F8-406A-B588-7599BD38C4D8}" type="datetimeFigureOut">
               <a:rPr lang="en-US" smtClean="0"/>
-              <a:t>14-Jan-25</a:t>
+              <a:t>19-Jan-25</a:t>
             </a:fld>
             <a:endParaRPr lang="en-US"/>
           </a:p>
@@ -1160,7 +1160,7 @@
           <a:p>
             <a:fld id="{3B33AD69-65F8-406A-B588-7599BD38C4D8}" type="datetimeFigureOut">
               <a:rPr lang="en-US" smtClean="0"/>
-              <a:t>14-Jan-25</a:t>
+              <a:t>19-Jan-25</a:t>
             </a:fld>
             <a:endParaRPr lang="en-US"/>
           </a:p>
@@ -1425,7 +1425,7 @@
           <a:p>
             <a:fld id="{3B33AD69-65F8-406A-B588-7599BD38C4D8}" type="datetimeFigureOut">
               <a:rPr lang="en-US" smtClean="0"/>
-              <a:t>14-Jan-25</a:t>
+              <a:t>19-Jan-25</a:t>
             </a:fld>
             <a:endParaRPr lang="en-US"/>
           </a:p>
@@ -1837,7 +1837,7 @@
           <a:p>
             <a:fld id="{3B33AD69-65F8-406A-B588-7599BD38C4D8}" type="datetimeFigureOut">
               <a:rPr lang="en-US" smtClean="0"/>
-              <a:t>14-Jan-25</a:t>
+              <a:t>19-Jan-25</a:t>
             </a:fld>
             <a:endParaRPr lang="en-US"/>
           </a:p>
@@ -1978,7 +1978,7 @@
           <a:p>
             <a:fld id="{3B33AD69-65F8-406A-B588-7599BD38C4D8}" type="datetimeFigureOut">
               <a:rPr lang="en-US" smtClean="0"/>
-              <a:t>14-Jan-25</a:t>
+              <a:t>19-Jan-25</a:t>
             </a:fld>
             <a:endParaRPr lang="en-US"/>
           </a:p>
@@ -2091,7 +2091,7 @@
           <a:p>
             <a:fld id="{3B33AD69-65F8-406A-B588-7599BD38C4D8}" type="datetimeFigureOut">
               <a:rPr lang="en-US" smtClean="0"/>
-              <a:t>14-Jan-25</a:t>
+              <a:t>19-Jan-25</a:t>
             </a:fld>
             <a:endParaRPr lang="en-US"/>
           </a:p>
@@ -2402,7 +2402,7 @@
           <a:p>
             <a:fld id="{3B33AD69-65F8-406A-B588-7599BD38C4D8}" type="datetimeFigureOut">
               <a:rPr lang="en-US" smtClean="0"/>
-              <a:t>14-Jan-25</a:t>
+              <a:t>19-Jan-25</a:t>
             </a:fld>
             <a:endParaRPr lang="en-US"/>
           </a:p>
@@ -2690,7 +2690,7 @@
           <a:p>
             <a:fld id="{3B33AD69-65F8-406A-B588-7599BD38C4D8}" type="datetimeFigureOut">
               <a:rPr lang="en-US" smtClean="0"/>
-              <a:t>14-Jan-25</a:t>
+              <a:t>19-Jan-25</a:t>
             </a:fld>
             <a:endParaRPr lang="en-US"/>
           </a:p>
@@ -2931,7 +2931,7 @@
           <a:p>
             <a:fld id="{3B33AD69-65F8-406A-B588-7599BD38C4D8}" type="datetimeFigureOut">
               <a:rPr lang="en-US" smtClean="0"/>
-              <a:t>14-Jan-25</a:t>
+              <a:t>19-Jan-25</a:t>
             </a:fld>
             <a:endParaRPr lang="en-US"/>
           </a:p>
@@ -3689,6 +3689,78 @@
           </a:p>
         </p:txBody>
       </p:sp>
+      <p:pic>
+        <p:nvPicPr>
+          <p:cNvPr id="4" name="Picture 3">
+            <a:extLst>
+              <a:ext uri="{FF2B5EF4-FFF2-40B4-BE49-F238E27FC236}">
+                <a16:creationId xmlns:a16="http://schemas.microsoft.com/office/drawing/2014/main" id="{BF4869AA-96DB-3CFA-9149-5204E41485FA}"/>
+              </a:ext>
+            </a:extLst>
+          </p:cNvPr>
+          <p:cNvPicPr>
+            <a:picLocks noChangeAspect="1"/>
+          </p:cNvPicPr>
+          <p:nvPr/>
+        </p:nvPicPr>
+        <p:blipFill>
+          <a:blip r:embed="rId2">
+            <a:extLst>
+              <a:ext uri="{28A0092B-C50C-407E-A947-70E740481C1C}">
+                <a14:useLocalDpi xmlns:a14="http://schemas.microsoft.com/office/drawing/2010/main" val="0"/>
+              </a:ext>
+            </a:extLst>
+          </a:blip>
+          <a:stretch>
+            <a:fillRect/>
+          </a:stretch>
+        </p:blipFill>
+        <p:spPr>
+          <a:xfrm>
+            <a:off x="838200" y="2118412"/>
+            <a:ext cx="4662858" cy="1572821"/>
+          </a:xfrm>
+          <a:prstGeom prst="rect">
+            <a:avLst/>
+          </a:prstGeom>
+        </p:spPr>
+      </p:pic>
+      <p:pic>
+        <p:nvPicPr>
+          <p:cNvPr id="6" name="Picture 5">
+            <a:extLst>
+              <a:ext uri="{FF2B5EF4-FFF2-40B4-BE49-F238E27FC236}">
+                <a16:creationId xmlns:a16="http://schemas.microsoft.com/office/drawing/2014/main" id="{44A72A9F-B040-7DA7-3FB0-DE41AA322B97}"/>
+              </a:ext>
+            </a:extLst>
+          </p:cNvPr>
+          <p:cNvPicPr>
+            <a:picLocks noChangeAspect="1"/>
+          </p:cNvPicPr>
+          <p:nvPr/>
+        </p:nvPicPr>
+        <p:blipFill>
+          <a:blip r:embed="rId3">
+            <a:extLst>
+              <a:ext uri="{28A0092B-C50C-407E-A947-70E740481C1C}">
+                <a14:useLocalDpi xmlns:a14="http://schemas.microsoft.com/office/drawing/2010/main" val="0"/>
+              </a:ext>
+            </a:extLst>
+          </a:blip>
+          <a:stretch>
+            <a:fillRect/>
+          </a:stretch>
+        </p:blipFill>
+        <p:spPr>
+          <a:xfrm>
+            <a:off x="2981469" y="3888420"/>
+            <a:ext cx="8372331" cy="2579583"/>
+          </a:xfrm>
+          <a:prstGeom prst="rect">
+            <a:avLst/>
+          </a:prstGeom>
+        </p:spPr>
+      </p:pic>
     </p:spTree>
     <p:extLst>
       <p:ext uri="{BB962C8B-B14F-4D97-AF65-F5344CB8AC3E}">
@@ -3924,6 +3996,114 @@
           </a:p>
         </p:txBody>
       </p:sp>
+      <p:pic>
+        <p:nvPicPr>
+          <p:cNvPr id="4" name="Picture 3">
+            <a:extLst>
+              <a:ext uri="{FF2B5EF4-FFF2-40B4-BE49-F238E27FC236}">
+                <a16:creationId xmlns:a16="http://schemas.microsoft.com/office/drawing/2014/main" id="{9785CA5C-0CA0-EADA-857D-7973C148AAE9}"/>
+              </a:ext>
+            </a:extLst>
+          </p:cNvPr>
+          <p:cNvPicPr>
+            <a:picLocks noChangeAspect="1"/>
+          </p:cNvPicPr>
+          <p:nvPr/>
+        </p:nvPicPr>
+        <p:blipFill>
+          <a:blip r:embed="rId2">
+            <a:extLst>
+              <a:ext uri="{28A0092B-C50C-407E-A947-70E740481C1C}">
+                <a14:useLocalDpi xmlns:a14="http://schemas.microsoft.com/office/drawing/2010/main" val="0"/>
+              </a:ext>
+            </a:extLst>
+          </a:blip>
+          <a:stretch>
+            <a:fillRect/>
+          </a:stretch>
+        </p:blipFill>
+        <p:spPr>
+          <a:xfrm>
+            <a:off x="8398276" y="1844890"/>
+            <a:ext cx="2955524" cy="1354892"/>
+          </a:xfrm>
+          <a:prstGeom prst="rect">
+            <a:avLst/>
+          </a:prstGeom>
+        </p:spPr>
+      </p:pic>
+      <p:pic>
+        <p:nvPicPr>
+          <p:cNvPr id="6" name="Picture 5">
+            <a:extLst>
+              <a:ext uri="{FF2B5EF4-FFF2-40B4-BE49-F238E27FC236}">
+                <a16:creationId xmlns:a16="http://schemas.microsoft.com/office/drawing/2014/main" id="{60583253-4AAF-5EB1-006A-7A065648D056}"/>
+              </a:ext>
+            </a:extLst>
+          </p:cNvPr>
+          <p:cNvPicPr>
+            <a:picLocks noChangeAspect="1"/>
+          </p:cNvPicPr>
+          <p:nvPr/>
+        </p:nvPicPr>
+        <p:blipFill>
+          <a:blip r:embed="rId3">
+            <a:extLst>
+              <a:ext uri="{28A0092B-C50C-407E-A947-70E740481C1C}">
+                <a14:useLocalDpi xmlns:a14="http://schemas.microsoft.com/office/drawing/2010/main" val="0"/>
+              </a:ext>
+            </a:extLst>
+          </a:blip>
+          <a:stretch>
+            <a:fillRect/>
+          </a:stretch>
+        </p:blipFill>
+        <p:spPr>
+          <a:xfrm>
+            <a:off x="907422" y="2507672"/>
+            <a:ext cx="5812973" cy="3805280"/>
+          </a:xfrm>
+          <a:prstGeom prst="rect">
+            <a:avLst/>
+          </a:prstGeom>
+        </p:spPr>
+      </p:pic>
+      <p:pic>
+        <p:nvPicPr>
+          <p:cNvPr id="8" name="Picture 7">
+            <a:extLst>
+              <a:ext uri="{FF2B5EF4-FFF2-40B4-BE49-F238E27FC236}">
+                <a16:creationId xmlns:a16="http://schemas.microsoft.com/office/drawing/2014/main" id="{3AFCF1FD-DC6F-0639-ACBA-E96A9F01005D}"/>
+              </a:ext>
+            </a:extLst>
+          </p:cNvPr>
+          <p:cNvPicPr>
+            <a:picLocks noChangeAspect="1"/>
+          </p:cNvPicPr>
+          <p:nvPr/>
+        </p:nvPicPr>
+        <p:blipFill>
+          <a:blip r:embed="rId4">
+            <a:extLst>
+              <a:ext uri="{28A0092B-C50C-407E-A947-70E740481C1C}">
+                <a14:useLocalDpi xmlns:a14="http://schemas.microsoft.com/office/drawing/2010/main" val="0"/>
+              </a:ext>
+            </a:extLst>
+          </a:blip>
+          <a:stretch>
+            <a:fillRect/>
+          </a:stretch>
+        </p:blipFill>
+        <p:spPr>
+          <a:xfrm>
+            <a:off x="7279689" y="3406789"/>
+            <a:ext cx="4074111" cy="2906163"/>
+          </a:xfrm>
+          <a:prstGeom prst="rect">
+            <a:avLst/>
+          </a:prstGeom>
+        </p:spPr>
+      </p:pic>
     </p:spTree>
     <p:extLst>
       <p:ext uri="{BB962C8B-B14F-4D97-AF65-F5344CB8AC3E}">
@@ -4424,6 +4604,42 @@
           </a:p>
         </p:txBody>
       </p:sp>
+      <p:pic>
+        <p:nvPicPr>
+          <p:cNvPr id="4" name="Picture 3">
+            <a:extLst>
+              <a:ext uri="{FF2B5EF4-FFF2-40B4-BE49-F238E27FC236}">
+                <a16:creationId xmlns:a16="http://schemas.microsoft.com/office/drawing/2014/main" id="{E481A39C-111F-9E6A-E371-6D688F8E8EFE}"/>
+              </a:ext>
+            </a:extLst>
+          </p:cNvPr>
+          <p:cNvPicPr>
+            <a:picLocks noChangeAspect="1"/>
+          </p:cNvPicPr>
+          <p:nvPr/>
+        </p:nvPicPr>
+        <p:blipFill>
+          <a:blip r:embed="rId2">
+            <a:extLst>
+              <a:ext uri="{28A0092B-C50C-407E-A947-70E740481C1C}">
+                <a14:useLocalDpi xmlns:a14="http://schemas.microsoft.com/office/drawing/2010/main" val="0"/>
+              </a:ext>
+            </a:extLst>
+          </a:blip>
+          <a:stretch>
+            <a:fillRect/>
+          </a:stretch>
+        </p:blipFill>
+        <p:spPr>
+          <a:xfrm>
+            <a:off x="3835486" y="914400"/>
+            <a:ext cx="4521027" cy="5671014"/>
+          </a:xfrm>
+          <a:prstGeom prst="rect">
+            <a:avLst/>
+          </a:prstGeom>
+        </p:spPr>
+      </p:pic>
     </p:spTree>
     <p:extLst>
       <p:ext uri="{BB962C8B-B14F-4D97-AF65-F5344CB8AC3E}">
@@ -4578,6 +4794,42 @@
           </a:p>
         </p:txBody>
       </p:sp>
+      <p:pic>
+        <p:nvPicPr>
+          <p:cNvPr id="4" name="Picture 3">
+            <a:extLst>
+              <a:ext uri="{FF2B5EF4-FFF2-40B4-BE49-F238E27FC236}">
+                <a16:creationId xmlns:a16="http://schemas.microsoft.com/office/drawing/2014/main" id="{AB321CFE-C214-9EB0-DC33-616331DAD2EE}"/>
+              </a:ext>
+            </a:extLst>
+          </p:cNvPr>
+          <p:cNvPicPr>
+            <a:picLocks noChangeAspect="1"/>
+          </p:cNvPicPr>
+          <p:nvPr/>
+        </p:nvPicPr>
+        <p:blipFill>
+          <a:blip r:embed="rId2">
+            <a:extLst>
+              <a:ext uri="{28A0092B-C50C-407E-A947-70E740481C1C}">
+                <a14:useLocalDpi xmlns:a14="http://schemas.microsoft.com/office/drawing/2010/main" val="0"/>
+              </a:ext>
+            </a:extLst>
+          </a:blip>
+          <a:stretch>
+            <a:fillRect/>
+          </a:stretch>
+        </p:blipFill>
+        <p:spPr>
+          <a:xfrm>
+            <a:off x="1733504" y="2999797"/>
+            <a:ext cx="8724992" cy="858406"/>
+          </a:xfrm>
+          <a:prstGeom prst="rect">
+            <a:avLst/>
+          </a:prstGeom>
+        </p:spPr>
+      </p:pic>
     </p:spTree>
     <p:extLst>
       <p:ext uri="{BB962C8B-B14F-4D97-AF65-F5344CB8AC3E}">
@@ -4739,6 +4991,42 @@
           </a:p>
         </p:txBody>
       </p:sp>
+      <p:pic>
+        <p:nvPicPr>
+          <p:cNvPr id="4" name="Picture 3">
+            <a:extLst>
+              <a:ext uri="{FF2B5EF4-FFF2-40B4-BE49-F238E27FC236}">
+                <a16:creationId xmlns:a16="http://schemas.microsoft.com/office/drawing/2014/main" id="{3C3511C6-E9B2-D94C-9735-29F37C45F09D}"/>
+              </a:ext>
+            </a:extLst>
+          </p:cNvPr>
+          <p:cNvPicPr>
+            <a:picLocks noChangeAspect="1"/>
+          </p:cNvPicPr>
+          <p:nvPr/>
+        </p:nvPicPr>
+        <p:blipFill>
+          <a:blip r:embed="rId2">
+            <a:extLst>
+              <a:ext uri="{28A0092B-C50C-407E-A947-70E740481C1C}">
+                <a14:useLocalDpi xmlns:a14="http://schemas.microsoft.com/office/drawing/2010/main" val="0"/>
+              </a:ext>
+            </a:extLst>
+          </a:blip>
+          <a:stretch>
+            <a:fillRect/>
+          </a:stretch>
+        </p:blipFill>
+        <p:spPr>
+          <a:xfrm>
+            <a:off x="1422027" y="3075257"/>
+            <a:ext cx="9347945" cy="919695"/>
+          </a:xfrm>
+          <a:prstGeom prst="rect">
+            <a:avLst/>
+          </a:prstGeom>
+        </p:spPr>
+      </p:pic>
     </p:spTree>
     <p:extLst>
       <p:ext uri="{BB962C8B-B14F-4D97-AF65-F5344CB8AC3E}">
@@ -4914,6 +5202,42 @@
           </a:p>
         </p:txBody>
       </p:sp>
+      <p:pic>
+        <p:nvPicPr>
+          <p:cNvPr id="4" name="Picture 3">
+            <a:extLst>
+              <a:ext uri="{FF2B5EF4-FFF2-40B4-BE49-F238E27FC236}">
+                <a16:creationId xmlns:a16="http://schemas.microsoft.com/office/drawing/2014/main" id="{7262D07B-1A52-498E-F1E6-69BFEC636A54}"/>
+              </a:ext>
+            </a:extLst>
+          </p:cNvPr>
+          <p:cNvPicPr>
+            <a:picLocks noChangeAspect="1"/>
+          </p:cNvPicPr>
+          <p:nvPr/>
+        </p:nvPicPr>
+        <p:blipFill>
+          <a:blip r:embed="rId2">
+            <a:extLst>
+              <a:ext uri="{28A0092B-C50C-407E-A947-70E740481C1C}">
+                <a14:useLocalDpi xmlns:a14="http://schemas.microsoft.com/office/drawing/2010/main" val="0"/>
+              </a:ext>
+            </a:extLst>
+          </a:blip>
+          <a:stretch>
+            <a:fillRect/>
+          </a:stretch>
+        </p:blipFill>
+        <p:spPr>
+          <a:xfrm>
+            <a:off x="1556863" y="2874353"/>
+            <a:ext cx="9078271" cy="1606443"/>
+          </a:xfrm>
+          <a:prstGeom prst="rect">
+            <a:avLst/>
+          </a:prstGeom>
+        </p:spPr>
+      </p:pic>
     </p:spTree>
     <p:extLst>
       <p:ext uri="{BB962C8B-B14F-4D97-AF65-F5344CB8AC3E}">
@@ -5083,6 +5407,42 @@
           </a:p>
         </p:txBody>
       </p:sp>
+      <p:pic>
+        <p:nvPicPr>
+          <p:cNvPr id="4" name="Picture 3">
+            <a:extLst>
+              <a:ext uri="{FF2B5EF4-FFF2-40B4-BE49-F238E27FC236}">
+                <a16:creationId xmlns:a16="http://schemas.microsoft.com/office/drawing/2014/main" id="{5EDD234B-A4A8-B96F-85EF-BF7ED35C0005}"/>
+              </a:ext>
+            </a:extLst>
+          </p:cNvPr>
+          <p:cNvPicPr>
+            <a:picLocks noChangeAspect="1"/>
+          </p:cNvPicPr>
+          <p:nvPr/>
+        </p:nvPicPr>
+        <p:blipFill>
+          <a:blip r:embed="rId2">
+            <a:extLst>
+              <a:ext uri="{28A0092B-C50C-407E-A947-70E740481C1C}">
+                <a14:useLocalDpi xmlns:a14="http://schemas.microsoft.com/office/drawing/2010/main" val="0"/>
+              </a:ext>
+            </a:extLst>
+          </a:blip>
+          <a:stretch>
+            <a:fillRect/>
+          </a:stretch>
+        </p:blipFill>
+        <p:spPr>
+          <a:xfrm>
+            <a:off x="1332762" y="2627374"/>
+            <a:ext cx="9526476" cy="2077791"/>
+          </a:xfrm>
+          <a:prstGeom prst="rect">
+            <a:avLst/>
+          </a:prstGeom>
+        </p:spPr>
+      </p:pic>
     </p:spTree>
     <p:extLst>
       <p:ext uri="{BB962C8B-B14F-4D97-AF65-F5344CB8AC3E}">
@@ -5252,6 +5612,42 @@
           </a:p>
         </p:txBody>
       </p:sp>
+      <p:pic>
+        <p:nvPicPr>
+          <p:cNvPr id="4" name="Picture 3">
+            <a:extLst>
+              <a:ext uri="{FF2B5EF4-FFF2-40B4-BE49-F238E27FC236}">
+                <a16:creationId xmlns:a16="http://schemas.microsoft.com/office/drawing/2014/main" id="{CFDD875D-864F-F7E4-D2D8-0201260533C5}"/>
+              </a:ext>
+            </a:extLst>
+          </p:cNvPr>
+          <p:cNvPicPr>
+            <a:picLocks noChangeAspect="1"/>
+          </p:cNvPicPr>
+          <p:nvPr/>
+        </p:nvPicPr>
+        <p:blipFill>
+          <a:blip r:embed="rId2">
+            <a:extLst>
+              <a:ext uri="{28A0092B-C50C-407E-A947-70E740481C1C}">
+                <a14:useLocalDpi xmlns:a14="http://schemas.microsoft.com/office/drawing/2010/main" val="0"/>
+              </a:ext>
+            </a:extLst>
+          </a:blip>
+          <a:stretch>
+            <a:fillRect/>
+          </a:stretch>
+        </p:blipFill>
+        <p:spPr>
+          <a:xfrm>
+            <a:off x="1194702" y="2944596"/>
+            <a:ext cx="9802595" cy="1431710"/>
+          </a:xfrm>
+          <a:prstGeom prst="rect">
+            <a:avLst/>
+          </a:prstGeom>
+        </p:spPr>
+      </p:pic>
     </p:spTree>
     <p:extLst>
       <p:ext uri="{BB962C8B-B14F-4D97-AF65-F5344CB8AC3E}">
